--- a/Devolve [sparad automatiskt].pptx
+++ b/Devolve [sparad automatiskt].pptx
@@ -8,6 +8,7 @@
     <p:sldId id="256" r:id="rId2"/>
     <p:sldId id="257" r:id="rId3"/>
     <p:sldId id="258" r:id="rId4"/>
+    <p:sldId id="259" r:id="rId5"/>
   </p:sldIdLst>
   <p:sldSz cx="9144000" cy="6858000" type="screen4x3"/>
   <p:notesSz cx="6858000" cy="9144000"/>
@@ -3672,7 +3673,7 @@
         </p:blipFill>
         <p:spPr bwMode="auto">
           <a:xfrm>
-            <a:off x="5004048" y="4581128"/>
+            <a:off x="5004048" y="4941168"/>
             <a:ext cx="2803932" cy="1872208"/>
           </a:xfrm>
           <a:prstGeom prst="rect">
@@ -3698,7 +3699,7 @@
         </p:blipFill>
         <p:spPr bwMode="auto">
           <a:xfrm>
-            <a:off x="1043608" y="4437112"/>
+            <a:off x="1043608" y="4869160"/>
             <a:ext cx="2855051" cy="1903367"/>
           </a:xfrm>
           <a:prstGeom prst="rect">
@@ -3735,7 +3736,7 @@
         </p:blipFill>
         <p:spPr bwMode="auto">
           <a:xfrm>
-            <a:off x="5220072" y="-171400"/>
+            <a:off x="5220072" y="447022"/>
             <a:ext cx="1872208" cy="2477922"/>
           </a:xfrm>
           <a:prstGeom prst="rect">
@@ -3761,7 +3762,7 @@
         </p:blipFill>
         <p:spPr bwMode="auto">
           <a:xfrm>
-            <a:off x="755576" y="188640"/>
+            <a:off x="755576" y="807062"/>
             <a:ext cx="3016583" cy="2007399"/>
           </a:xfrm>
           <a:prstGeom prst="rect">
@@ -3778,8 +3779,8 @@
         </p:nvSpPr>
         <p:spPr>
           <a:xfrm rot="1688221">
-            <a:off x="6688310" y="700831"/>
-            <a:ext cx="2349619" cy="707886"/>
+            <a:off x="6256261" y="1492918"/>
+            <a:ext cx="2349618" cy="707886"/>
           </a:xfrm>
           <a:prstGeom prst="rect">
             <a:avLst/>
@@ -3828,7 +3829,44 @@
                   </a:innerShdw>
                 </a:effectLst>
               </a:rPr>
-              <a:t>Less cover</a:t>
+              <a:t>Less </a:t>
+            </a:r>
+            <a:r>
+              <a:rPr lang="sv-SE" sz="4000" b="1" cap="none" spc="0" dirty="0" smtClean="0">
+                <a:ln w="1905"/>
+                <a:gradFill>
+                  <a:gsLst>
+                    <a:gs pos="0">
+                      <a:schemeClr val="accent6">
+                        <a:shade val="20000"/>
+                        <a:satMod val="200000"/>
+                      </a:schemeClr>
+                    </a:gs>
+                    <a:gs pos="78000">
+                      <a:schemeClr val="accent6">
+                        <a:tint val="90000"/>
+                        <a:shade val="89000"/>
+                        <a:satMod val="220000"/>
+                      </a:schemeClr>
+                    </a:gs>
+                    <a:gs pos="100000">
+                      <a:schemeClr val="accent6">
+                        <a:tint val="12000"/>
+                        <a:satMod val="255000"/>
+                      </a:schemeClr>
+                    </a:gs>
+                  </a:gsLst>
+                  <a:lin ang="5400000"/>
+                </a:gradFill>
+                <a:effectLst>
+                  <a:innerShdw blurRad="69850" dist="43180" dir="5400000">
+                    <a:srgbClr val="000000">
+                      <a:alpha val="65000"/>
+                    </a:srgbClr>
+                  </a:innerShdw>
+                </a:effectLst>
+              </a:rPr>
+              <a:t>cover</a:t>
             </a:r>
             <a:endParaRPr lang="sv-SE" sz="4000" b="1" cap="none" spc="0" dirty="0">
               <a:ln w="1905"/>
@@ -4018,7 +4056,7 @@
         </p:blipFill>
         <p:spPr bwMode="auto">
           <a:xfrm>
-            <a:off x="1115615" y="2492896"/>
+            <a:off x="1115615" y="2996952"/>
             <a:ext cx="2304257" cy="1728192"/>
           </a:xfrm>
           <a:prstGeom prst="rect">
@@ -4044,7 +4082,7 @@
         </p:blipFill>
         <p:spPr bwMode="auto">
           <a:xfrm flipH="1">
-            <a:off x="5076056" y="2492896"/>
+            <a:off x="5076056" y="2996952"/>
             <a:ext cx="1977033" cy="1575036"/>
           </a:xfrm>
           <a:prstGeom prst="rect">
@@ -4061,7 +4099,7 @@
         </p:nvSpPr>
         <p:spPr>
           <a:xfrm rot="1688221">
-            <a:off x="6129977" y="2325699"/>
+            <a:off x="6129977" y="2848822"/>
             <a:ext cx="3287232" cy="1323439"/>
           </a:xfrm>
           <a:prstGeom prst="rect">
@@ -4221,6 +4259,649 @@
                 </a:innerShdw>
               </a:effectLst>
             </a:endParaRPr>
+          </a:p>
+        </p:txBody>
+      </p:sp>
+      <p:sp>
+        <p:nvSpPr>
+          <p:cNvPr id="12" name="Rubrik 11"/>
+          <p:cNvSpPr>
+            <a:spLocks noGrp="1"/>
+          </p:cNvSpPr>
+          <p:nvPr>
+            <p:ph type="title"/>
+          </p:nvPr>
+        </p:nvSpPr>
+        <p:spPr/>
+        <p:txBody>
+          <a:bodyPr/>
+          <a:lstStyle/>
+          <a:p>
+            <a:r>
+              <a:rPr lang="sv-SE" dirty="0" smtClean="0"/>
+              <a:t>Environment</a:t>
+            </a:r>
+            <a:endParaRPr lang="sv-SE" dirty="0"/>
+          </a:p>
+        </p:txBody>
+      </p:sp>
+      <p:sp>
+        <p:nvSpPr>
+          <p:cNvPr id="13" name="Höger 12"/>
+          <p:cNvSpPr/>
+          <p:nvPr/>
+        </p:nvSpPr>
+        <p:spPr>
+          <a:xfrm>
+            <a:off x="3491880" y="3573016"/>
+            <a:ext cx="1224136" cy="484632"/>
+          </a:xfrm>
+          <a:prstGeom prst="rightArrow">
+            <a:avLst/>
+          </a:prstGeom>
+        </p:spPr>
+        <p:style>
+          <a:lnRef idx="2">
+            <a:schemeClr val="accent1">
+              <a:shade val="50000"/>
+            </a:schemeClr>
+          </a:lnRef>
+          <a:fillRef idx="1">
+            <a:schemeClr val="accent1"/>
+          </a:fillRef>
+          <a:effectRef idx="0">
+            <a:schemeClr val="accent1"/>
+          </a:effectRef>
+          <a:fontRef idx="minor">
+            <a:schemeClr val="lt1"/>
+          </a:fontRef>
+        </p:style>
+        <p:txBody>
+          <a:bodyPr rtlCol="0" anchor="ctr"/>
+          <a:lstStyle/>
+          <a:p>
+            <a:pPr algn="ctr"/>
+            <a:r>
+              <a:rPr lang="sv-SE" dirty="0" err="1" smtClean="0"/>
+              <a:t>devolve</a:t>
+            </a:r>
+            <a:endParaRPr lang="sv-SE" dirty="0"/>
+          </a:p>
+        </p:txBody>
+      </p:sp>
+    </p:spTree>
+  </p:cSld>
+  <p:clrMapOvr>
+    <a:masterClrMapping/>
+  </p:clrMapOvr>
+</p:sld>
+</file>
+
+<file path=ppt/slides/slide4.xml><?xml version="1.0" encoding="utf-8"?>
+<p:sld xmlns:a="http://schemas.openxmlformats.org/drawingml/2006/main" xmlns:r="http://schemas.openxmlformats.org/officeDocument/2006/relationships" xmlns:p="http://schemas.openxmlformats.org/presentationml/2006/main">
+  <p:cSld>
+    <p:spTree>
+      <p:nvGrpSpPr>
+        <p:cNvPr id="1" name=""/>
+        <p:cNvGrpSpPr/>
+        <p:nvPr/>
+      </p:nvGrpSpPr>
+      <p:grpSpPr>
+        <a:xfrm>
+          <a:off x="0" y="0"/>
+          <a:ext cx="0" cy="0"/>
+          <a:chOff x="0" y="0"/>
+          <a:chExt cx="0" cy="0"/>
+        </a:xfrm>
+      </p:grpSpPr>
+      <p:sp>
+        <p:nvSpPr>
+          <p:cNvPr id="2" name="Rubrik 1"/>
+          <p:cNvSpPr>
+            <a:spLocks noGrp="1"/>
+          </p:cNvSpPr>
+          <p:nvPr>
+            <p:ph type="title"/>
+          </p:nvPr>
+        </p:nvSpPr>
+        <p:spPr/>
+        <p:txBody>
+          <a:bodyPr/>
+          <a:lstStyle/>
+          <a:p>
+            <a:r>
+              <a:rPr lang="sv-SE" dirty="0" smtClean="0"/>
+              <a:t>Assets</a:t>
+            </a:r>
+            <a:endParaRPr lang="sv-SE" dirty="0"/>
+          </a:p>
+        </p:txBody>
+      </p:sp>
+      <p:pic>
+        <p:nvPicPr>
+          <p:cNvPr id="1026" name="Picture 2" descr="C:\Users\StinaCarlstedt\Documents\Förening\Vegalotten\41TpLDF0VsL._SX425_.jpg"/>
+          <p:cNvPicPr>
+            <a:picLocks noChangeAspect="1" noChangeArrowheads="1"/>
+          </p:cNvPicPr>
+          <p:nvPr/>
+        </p:nvPicPr>
+        <p:blipFill>
+          <a:blip r:embed="rId2" cstate="print"/>
+          <a:srcRect/>
+          <a:stretch>
+            <a:fillRect/>
+          </a:stretch>
+        </p:blipFill>
+        <p:spPr bwMode="auto">
+          <a:xfrm>
+            <a:off x="5652120" y="3212976"/>
+            <a:ext cx="1237035" cy="1429139"/>
+          </a:xfrm>
+          <a:prstGeom prst="rect">
+            <a:avLst/>
+          </a:prstGeom>
+          <a:noFill/>
+        </p:spPr>
+      </p:pic>
+      <p:pic>
+        <p:nvPicPr>
+          <p:cNvPr id="1027" name="Picture 3" descr="C:\Users\StinaCarlstedt\Documents\Förening\Vegalotten\800px_COLOURBOX2194188.jpg"/>
+          <p:cNvPicPr>
+            <a:picLocks noChangeAspect="1" noChangeArrowheads="1"/>
+          </p:cNvPicPr>
+          <p:nvPr/>
+        </p:nvPicPr>
+        <p:blipFill>
+          <a:blip r:embed="rId3" cstate="print"/>
+          <a:srcRect/>
+          <a:stretch>
+            <a:fillRect/>
+          </a:stretch>
+        </p:blipFill>
+        <p:spPr bwMode="auto">
+          <a:xfrm>
+            <a:off x="5364088" y="1154447"/>
+            <a:ext cx="1920803" cy="1762337"/>
+          </a:xfrm>
+          <a:prstGeom prst="rect">
+            <a:avLst/>
+          </a:prstGeom>
+          <a:noFill/>
+        </p:spPr>
+      </p:pic>
+      <p:pic>
+        <p:nvPicPr>
+          <p:cNvPr id="1029" name="Picture 5" descr="C:\Users\StinaCarlstedt\Documents\Förening\Vegalotten\g13_gold__52939.1435653110.400.400.jpg"/>
+          <p:cNvPicPr>
+            <a:picLocks noChangeAspect="1" noChangeArrowheads="1"/>
+          </p:cNvPicPr>
+          <p:nvPr/>
+        </p:nvPicPr>
+        <p:blipFill>
+          <a:blip r:embed="rId4" cstate="print"/>
+          <a:srcRect/>
+          <a:stretch>
+            <a:fillRect/>
+          </a:stretch>
+        </p:blipFill>
+        <p:spPr bwMode="auto">
+          <a:xfrm flipH="1">
+            <a:off x="1331640" y="3212976"/>
+            <a:ext cx="2034616" cy="1439491"/>
+          </a:xfrm>
+          <a:prstGeom prst="rect">
+            <a:avLst/>
+          </a:prstGeom>
+          <a:noFill/>
+        </p:spPr>
+      </p:pic>
+      <p:pic>
+        <p:nvPicPr>
+          <p:cNvPr id="1030" name="Picture 6" descr="C:\Users\StinaCarlstedt\Documents\Förening\Vegalotten\450419823_XS.jpg"/>
+          <p:cNvPicPr>
+            <a:picLocks noChangeAspect="1" noChangeArrowheads="1"/>
+          </p:cNvPicPr>
+          <p:nvPr/>
+        </p:nvPicPr>
+        <p:blipFill>
+          <a:blip r:embed="rId5" cstate="print"/>
+          <a:srcRect/>
+          <a:stretch>
+            <a:fillRect/>
+          </a:stretch>
+        </p:blipFill>
+        <p:spPr bwMode="auto">
+          <a:xfrm>
+            <a:off x="971600" y="4725144"/>
+            <a:ext cx="1800200" cy="1983033"/>
+          </a:xfrm>
+          <a:prstGeom prst="rect">
+            <a:avLst/>
+          </a:prstGeom>
+          <a:noFill/>
+        </p:spPr>
+      </p:pic>
+      <p:pic>
+        <p:nvPicPr>
+          <p:cNvPr id="1031" name="Picture 7" descr="C:\Users\StinaCarlstedt\Documents\Förening\Vegalotten\91sn96LvLNL._SX425_.jpg"/>
+          <p:cNvPicPr>
+            <a:picLocks noChangeAspect="1" noChangeArrowheads="1"/>
+          </p:cNvPicPr>
+          <p:nvPr/>
+        </p:nvPicPr>
+        <p:blipFill>
+          <a:blip r:embed="rId6" cstate="print"/>
+          <a:srcRect/>
+          <a:stretch>
+            <a:fillRect/>
+          </a:stretch>
+        </p:blipFill>
+        <p:spPr bwMode="auto">
+          <a:xfrm>
+            <a:off x="4860032" y="4725144"/>
+            <a:ext cx="2084271" cy="1834158"/>
+          </a:xfrm>
+          <a:prstGeom prst="rect">
+            <a:avLst/>
+          </a:prstGeom>
+          <a:noFill/>
+        </p:spPr>
+      </p:pic>
+      <p:pic>
+        <p:nvPicPr>
+          <p:cNvPr id="1032" name="Picture 8" descr="C:\Users\StinaCarlstedt\Documents\Förening\Vegalotten\stock-photo-stacks-of-euro-banknotes-387951991.jpg"/>
+          <p:cNvPicPr>
+            <a:picLocks noChangeAspect="1" noChangeArrowheads="1"/>
+          </p:cNvPicPr>
+          <p:nvPr/>
+        </p:nvPicPr>
+        <p:blipFill>
+          <a:blip r:embed="rId7" cstate="print"/>
+          <a:srcRect/>
+          <a:stretch>
+            <a:fillRect/>
+          </a:stretch>
+        </p:blipFill>
+        <p:spPr bwMode="auto">
+          <a:xfrm>
+            <a:off x="1547664" y="1340768"/>
+            <a:ext cx="2018432" cy="1705388"/>
+          </a:xfrm>
+          <a:prstGeom prst="rect">
+            <a:avLst/>
+          </a:prstGeom>
+          <a:noFill/>
+        </p:spPr>
+      </p:pic>
+      <p:sp>
+        <p:nvSpPr>
+          <p:cNvPr id="11" name="Rektangel 10"/>
+          <p:cNvSpPr/>
+          <p:nvPr/>
+        </p:nvSpPr>
+        <p:spPr>
+          <a:xfrm rot="1688221">
+            <a:off x="6808052" y="1492919"/>
+            <a:ext cx="1822101" cy="707886"/>
+          </a:xfrm>
+          <a:prstGeom prst="rect">
+            <a:avLst/>
+          </a:prstGeom>
+          <a:noFill/>
+        </p:spPr>
+        <p:txBody>
+          <a:bodyPr wrap="none" lIns="91440" tIns="45720" rIns="91440" bIns="45720">
+            <a:spAutoFit/>
+          </a:bodyPr>
+          <a:lstStyle/>
+          <a:p>
+            <a:pPr algn="ctr"/>
+            <a:r>
+              <a:rPr lang="sv-SE" sz="4000" b="1" cap="none" spc="0" dirty="0" err="1" smtClean="0">
+                <a:ln w="1905"/>
+                <a:gradFill>
+                  <a:gsLst>
+                    <a:gs pos="0">
+                      <a:schemeClr val="accent6">
+                        <a:shade val="20000"/>
+                        <a:satMod val="200000"/>
+                      </a:schemeClr>
+                    </a:gs>
+                    <a:gs pos="78000">
+                      <a:schemeClr val="accent6">
+                        <a:tint val="90000"/>
+                        <a:shade val="89000"/>
+                        <a:satMod val="220000"/>
+                      </a:schemeClr>
+                    </a:gs>
+                    <a:gs pos="100000">
+                      <a:schemeClr val="accent6">
+                        <a:tint val="12000"/>
+                        <a:satMod val="255000"/>
+                      </a:schemeClr>
+                    </a:gs>
+                  </a:gsLst>
+                  <a:lin ang="5400000"/>
+                </a:gradFill>
+                <a:effectLst>
+                  <a:innerShdw blurRad="69850" dist="43180" dir="5400000">
+                    <a:srgbClr val="000000">
+                      <a:alpha val="65000"/>
+                    </a:srgbClr>
+                  </a:innerShdw>
+                </a:effectLst>
+              </a:rPr>
+              <a:t>Heavier</a:t>
+            </a:r>
+            <a:endParaRPr lang="sv-SE" sz="4000" b="1" cap="none" spc="0" dirty="0">
+              <a:ln w="1905"/>
+              <a:gradFill>
+                <a:gsLst>
+                  <a:gs pos="0">
+                    <a:schemeClr val="accent6">
+                      <a:shade val="20000"/>
+                      <a:satMod val="200000"/>
+                    </a:schemeClr>
+                  </a:gs>
+                  <a:gs pos="78000">
+                    <a:schemeClr val="accent6">
+                      <a:tint val="90000"/>
+                      <a:shade val="89000"/>
+                      <a:satMod val="220000"/>
+                    </a:schemeClr>
+                  </a:gs>
+                  <a:gs pos="100000">
+                    <a:schemeClr val="accent6">
+                      <a:tint val="12000"/>
+                      <a:satMod val="255000"/>
+                    </a:schemeClr>
+                  </a:gs>
+                </a:gsLst>
+                <a:lin ang="5400000"/>
+              </a:gradFill>
+              <a:effectLst>
+                <a:innerShdw blurRad="69850" dist="43180" dir="5400000">
+                  <a:srgbClr val="000000">
+                    <a:alpha val="65000"/>
+                  </a:srgbClr>
+                </a:innerShdw>
+              </a:effectLst>
+            </a:endParaRPr>
+          </a:p>
+        </p:txBody>
+      </p:sp>
+      <p:sp>
+        <p:nvSpPr>
+          <p:cNvPr id="12" name="Rektangel 11"/>
+          <p:cNvSpPr/>
+          <p:nvPr/>
+        </p:nvSpPr>
+        <p:spPr>
+          <a:xfrm rot="1688221">
+            <a:off x="5696802" y="5098375"/>
+            <a:ext cx="3287232" cy="707886"/>
+          </a:xfrm>
+          <a:prstGeom prst="rect">
+            <a:avLst/>
+          </a:prstGeom>
+          <a:noFill/>
+        </p:spPr>
+        <p:txBody>
+          <a:bodyPr wrap="square" lIns="91440" tIns="45720" rIns="91440" bIns="45720">
+            <a:spAutoFit/>
+          </a:bodyPr>
+          <a:lstStyle/>
+          <a:p>
+            <a:pPr algn="ctr"/>
+            <a:r>
+              <a:rPr lang="sv-SE" sz="4000" b="1" dirty="0" smtClean="0">
+                <a:ln w="1905"/>
+                <a:gradFill>
+                  <a:gsLst>
+                    <a:gs pos="0">
+                      <a:schemeClr val="accent6">
+                        <a:shade val="20000"/>
+                        <a:satMod val="200000"/>
+                      </a:schemeClr>
+                    </a:gs>
+                    <a:gs pos="78000">
+                      <a:schemeClr val="accent6">
+                        <a:tint val="90000"/>
+                        <a:shade val="89000"/>
+                        <a:satMod val="220000"/>
+                      </a:schemeClr>
+                    </a:gs>
+                    <a:gs pos="100000">
+                      <a:schemeClr val="accent6">
+                        <a:tint val="12000"/>
+                        <a:satMod val="255000"/>
+                      </a:schemeClr>
+                    </a:gs>
+                  </a:gsLst>
+                  <a:lin ang="5400000"/>
+                </a:gradFill>
+                <a:effectLst>
+                  <a:innerShdw blurRad="69850" dist="43180" dir="5400000">
+                    <a:srgbClr val="000000">
+                      <a:alpha val="65000"/>
+                    </a:srgbClr>
+                  </a:innerShdw>
+                </a:effectLst>
+              </a:rPr>
+              <a:t>!</a:t>
+            </a:r>
+            <a:endParaRPr lang="sv-SE" sz="4000" b="1" cap="none" spc="0" dirty="0">
+              <a:ln w="1905"/>
+              <a:gradFill>
+                <a:gsLst>
+                  <a:gs pos="0">
+                    <a:schemeClr val="accent6">
+                      <a:shade val="20000"/>
+                      <a:satMod val="200000"/>
+                    </a:schemeClr>
+                  </a:gs>
+                  <a:gs pos="78000">
+                    <a:schemeClr val="accent6">
+                      <a:tint val="90000"/>
+                      <a:shade val="89000"/>
+                      <a:satMod val="220000"/>
+                    </a:schemeClr>
+                  </a:gs>
+                  <a:gs pos="100000">
+                    <a:schemeClr val="accent6">
+                      <a:tint val="12000"/>
+                      <a:satMod val="255000"/>
+                    </a:schemeClr>
+                  </a:gs>
+                </a:gsLst>
+                <a:lin ang="5400000"/>
+              </a:gradFill>
+              <a:effectLst>
+                <a:innerShdw blurRad="69850" dist="43180" dir="5400000">
+                  <a:srgbClr val="000000">
+                    <a:alpha val="65000"/>
+                  </a:srgbClr>
+                </a:innerShdw>
+              </a:effectLst>
+            </a:endParaRPr>
+          </a:p>
+        </p:txBody>
+      </p:sp>
+      <p:sp>
+        <p:nvSpPr>
+          <p:cNvPr id="13" name="Rektangel 12"/>
+          <p:cNvSpPr/>
+          <p:nvPr/>
+        </p:nvSpPr>
+        <p:spPr>
+          <a:xfrm rot="1688221">
+            <a:off x="6128851" y="3514199"/>
+            <a:ext cx="3287232" cy="707886"/>
+          </a:xfrm>
+          <a:prstGeom prst="rect">
+            <a:avLst/>
+          </a:prstGeom>
+          <a:noFill/>
+        </p:spPr>
+        <p:txBody>
+          <a:bodyPr wrap="square" lIns="91440" tIns="45720" rIns="91440" bIns="45720">
+            <a:spAutoFit/>
+          </a:bodyPr>
+          <a:lstStyle/>
+          <a:p>
+            <a:pPr algn="ctr"/>
+            <a:r>
+              <a:rPr lang="sv-SE" sz="4000" b="1" cap="none" spc="0" dirty="0" smtClean="0">
+                <a:ln w="1905"/>
+                <a:gradFill>
+                  <a:gsLst>
+                    <a:gs pos="0">
+                      <a:schemeClr val="accent6">
+                        <a:shade val="20000"/>
+                        <a:satMod val="200000"/>
+                      </a:schemeClr>
+                    </a:gs>
+                    <a:gs pos="78000">
+                      <a:schemeClr val="accent6">
+                        <a:tint val="90000"/>
+                        <a:shade val="89000"/>
+                        <a:satMod val="220000"/>
+                      </a:schemeClr>
+                    </a:gs>
+                    <a:gs pos="100000">
+                      <a:schemeClr val="accent6">
+                        <a:tint val="12000"/>
+                        <a:satMod val="255000"/>
+                      </a:schemeClr>
+                    </a:gs>
+                  </a:gsLst>
+                  <a:lin ang="5400000"/>
+                </a:gradFill>
+                <a:effectLst>
+                  <a:innerShdw blurRad="69850" dist="43180" dir="5400000">
+                    <a:srgbClr val="000000">
+                      <a:alpha val="65000"/>
+                    </a:srgbClr>
+                  </a:innerShdw>
+                </a:effectLst>
+              </a:rPr>
+              <a:t>Less </a:t>
+            </a:r>
+            <a:r>
+              <a:rPr lang="sv-SE" sz="4000" b="1" cap="none" spc="0" dirty="0" err="1" smtClean="0">
+                <a:ln w="1905"/>
+                <a:gradFill>
+                  <a:gsLst>
+                    <a:gs pos="0">
+                      <a:schemeClr val="accent6">
+                        <a:shade val="20000"/>
+                        <a:satMod val="200000"/>
+                      </a:schemeClr>
+                    </a:gs>
+                    <a:gs pos="78000">
+                      <a:schemeClr val="accent6">
+                        <a:tint val="90000"/>
+                        <a:shade val="89000"/>
+                        <a:satMod val="220000"/>
+                      </a:schemeClr>
+                    </a:gs>
+                    <a:gs pos="100000">
+                      <a:schemeClr val="accent6">
+                        <a:tint val="12000"/>
+                        <a:satMod val="255000"/>
+                      </a:schemeClr>
+                    </a:gs>
+                  </a:gsLst>
+                  <a:lin ang="5400000"/>
+                </a:gradFill>
+                <a:effectLst>
+                  <a:innerShdw blurRad="69850" dist="43180" dir="5400000">
+                    <a:srgbClr val="000000">
+                      <a:alpha val="65000"/>
+                    </a:srgbClr>
+                  </a:innerShdw>
+                </a:effectLst>
+              </a:rPr>
+              <a:t>lethal</a:t>
+            </a:r>
+            <a:endParaRPr lang="sv-SE" sz="4000" b="1" cap="none" spc="0" dirty="0">
+              <a:ln w="1905"/>
+              <a:gradFill>
+                <a:gsLst>
+                  <a:gs pos="0">
+                    <a:schemeClr val="accent6">
+                      <a:shade val="20000"/>
+                      <a:satMod val="200000"/>
+                    </a:schemeClr>
+                  </a:gs>
+                  <a:gs pos="78000">
+                    <a:schemeClr val="accent6">
+                      <a:tint val="90000"/>
+                      <a:shade val="89000"/>
+                      <a:satMod val="220000"/>
+                    </a:schemeClr>
+                  </a:gs>
+                  <a:gs pos="100000">
+                    <a:schemeClr val="accent6">
+                      <a:tint val="12000"/>
+                      <a:satMod val="255000"/>
+                    </a:schemeClr>
+                  </a:gs>
+                </a:gsLst>
+                <a:lin ang="5400000"/>
+              </a:gradFill>
+              <a:effectLst>
+                <a:innerShdw blurRad="69850" dist="43180" dir="5400000">
+                  <a:srgbClr val="000000">
+                    <a:alpha val="65000"/>
+                  </a:srgbClr>
+                </a:innerShdw>
+              </a:effectLst>
+            </a:endParaRPr>
+          </a:p>
+        </p:txBody>
+      </p:sp>
+      <p:sp>
+        <p:nvSpPr>
+          <p:cNvPr id="14" name="Höger 13"/>
+          <p:cNvSpPr/>
+          <p:nvPr/>
+        </p:nvSpPr>
+        <p:spPr>
+          <a:xfrm>
+            <a:off x="4067944" y="3068960"/>
+            <a:ext cx="1296144" cy="484632"/>
+          </a:xfrm>
+          <a:prstGeom prst="rightArrow">
+            <a:avLst/>
+          </a:prstGeom>
+        </p:spPr>
+        <p:style>
+          <a:lnRef idx="2">
+            <a:schemeClr val="accent1">
+              <a:shade val="50000"/>
+            </a:schemeClr>
+          </a:lnRef>
+          <a:fillRef idx="1">
+            <a:schemeClr val="accent1"/>
+          </a:fillRef>
+          <a:effectRef idx="0">
+            <a:schemeClr val="accent1"/>
+          </a:effectRef>
+          <a:fontRef idx="minor">
+            <a:schemeClr val="lt1"/>
+          </a:fontRef>
+        </p:style>
+        <p:txBody>
+          <a:bodyPr rtlCol="0" anchor="ctr"/>
+          <a:lstStyle/>
+          <a:p>
+            <a:pPr algn="ctr"/>
+            <a:r>
+              <a:rPr lang="sv-SE" dirty="0" err="1" smtClean="0"/>
+              <a:t>devolve</a:t>
+            </a:r>
+            <a:endParaRPr lang="sv-SE" dirty="0"/>
           </a:p>
         </p:txBody>
       </p:sp>
